--- a/images/theory_analysis/gRPC/gRPC.pptx
+++ b/images/theory_analysis/gRPC/gRPC.pptx
@@ -3847,7 +3847,7 @@
           <a:p>
             <a:r>
               <a:rPr lang="en-US" altLang="ko-KR" sz="1400"/>
-              <a:t>HTTP2</a:t>
+              <a:t>HTTP/2</a:t>
             </a:r>
             <a:endParaRPr lang="ko-KR" altLang="en-US" sz="1400"/>
           </a:p>
